--- a/Usecases/ThreatRiskCapabilities.pptx
+++ b/Usecases/ThreatRiskCapabilities.pptx
@@ -117,6 +117,11 @@
       </a:defRPr>
     </a:lvl9pPr>
   </p:defaultTextStyle>
+  <p:extLst>
+    <p:ext uri="{EFAFB233-063F-42B5-8137-9DF3F51BA10A}">
+      <p15:sldGuideLst xmlns:p15="http://schemas.microsoft.com/office/powerpoint/2012/main"/>
+    </p:ext>
+  </p:extLst>
 </p:presentation>
 </file>
 
@@ -334,7 +339,7 @@
             <a:fld id="{B61BEF0D-F0BB-DE4B-95CE-6DB70DBA9567}" type="datetimeFigureOut">
               <a:rPr lang="en-US" dirty="0"/>
               <a:pPr/>
-              <a:t>1/10/2017</a:t>
+              <a:t>2/6/2017</a:t>
             </a:fld>
             <a:endParaRPr lang="en-US" dirty="0"/>
           </a:p>
@@ -622,7 +627,7 @@
             <a:fld id="{B61BEF0D-F0BB-DE4B-95CE-6DB70DBA9567}" type="datetimeFigureOut">
               <a:rPr lang="en-US" dirty="0"/>
               <a:pPr/>
-              <a:t>1/10/2017</a:t>
+              <a:t>2/6/2017</a:t>
             </a:fld>
             <a:endParaRPr lang="en-US" dirty="0"/>
           </a:p>
@@ -878,7 +883,7 @@
             <a:fld id="{B61BEF0D-F0BB-DE4B-95CE-6DB70DBA9567}" type="datetimeFigureOut">
               <a:rPr lang="en-US" dirty="0"/>
               <a:pPr/>
-              <a:t>1/10/2017</a:t>
+              <a:t>2/6/2017</a:t>
             </a:fld>
             <a:endParaRPr lang="en-US" dirty="0"/>
           </a:p>
@@ -1344,7 +1349,7 @@
             <a:fld id="{B61BEF0D-F0BB-DE4B-95CE-6DB70DBA9567}" type="datetimeFigureOut">
               <a:rPr lang="en-US" dirty="0"/>
               <a:pPr/>
-              <a:t>1/10/2017</a:t>
+              <a:t>2/6/2017</a:t>
             </a:fld>
             <a:endParaRPr lang="en-US" dirty="0"/>
           </a:p>
@@ -1521,7 +1526,7 @@
             <a:fld id="{B61BEF0D-F0BB-DE4B-95CE-6DB70DBA9567}" type="datetimeFigureOut">
               <a:rPr lang="en-US" dirty="0"/>
               <a:pPr/>
-              <a:t>1/10/2017</a:t>
+              <a:t>2/6/2017</a:t>
             </a:fld>
             <a:endParaRPr lang="en-US" dirty="0"/>
           </a:p>
@@ -2094,7 +2099,7 @@
             <a:fld id="{B61BEF0D-F0BB-DE4B-95CE-6DB70DBA9567}" type="datetimeFigureOut">
               <a:rPr lang="en-US" dirty="0"/>
               <a:pPr/>
-              <a:t>1/10/2017</a:t>
+              <a:t>2/6/2017</a:t>
             </a:fld>
             <a:endParaRPr lang="en-US" dirty="0"/>
           </a:p>
@@ -2423,7 +2428,7 @@
             <a:fld id="{B61BEF0D-F0BB-DE4B-95CE-6DB70DBA9567}" type="datetimeFigureOut">
               <a:rPr lang="en-US" dirty="0"/>
               <a:pPr/>
-              <a:t>1/10/2017</a:t>
+              <a:t>2/6/2017</a:t>
             </a:fld>
             <a:endParaRPr lang="en-US" dirty="0"/>
           </a:p>
@@ -2595,7 +2600,7 @@
             <a:fld id="{B61BEF0D-F0BB-DE4B-95CE-6DB70DBA9567}" type="datetimeFigureOut">
               <a:rPr lang="en-US" dirty="0"/>
               <a:pPr/>
-              <a:t>1/10/2017</a:t>
+              <a:t>2/6/2017</a:t>
             </a:fld>
             <a:endParaRPr lang="en-US" dirty="0"/>
           </a:p>
@@ -2772,7 +2777,7 @@
             <a:fld id="{B61BEF0D-F0BB-DE4B-95CE-6DB70DBA9567}" type="datetimeFigureOut">
               <a:rPr lang="en-US" dirty="0"/>
               <a:pPr/>
-              <a:t>1/10/2017</a:t>
+              <a:t>2/6/2017</a:t>
             </a:fld>
             <a:endParaRPr lang="en-US" dirty="0"/>
           </a:p>
@@ -2939,7 +2944,7 @@
             <a:fld id="{B61BEF0D-F0BB-DE4B-95CE-6DB70DBA9567}" type="datetimeFigureOut">
               <a:rPr lang="en-US" dirty="0"/>
               <a:pPr/>
-              <a:t>1/10/2017</a:t>
+              <a:t>2/6/2017</a:t>
             </a:fld>
             <a:endParaRPr lang="en-US" dirty="0"/>
           </a:p>
@@ -3193,7 +3198,7 @@
             <a:fld id="{B61BEF0D-F0BB-DE4B-95CE-6DB70DBA9567}" type="datetimeFigureOut">
               <a:rPr lang="en-US" dirty="0"/>
               <a:pPr/>
-              <a:t>1/10/2017</a:t>
+              <a:t>2/6/2017</a:t>
             </a:fld>
             <a:endParaRPr lang="en-US" dirty="0"/>
           </a:p>
@@ -3482,7 +3487,7 @@
             <a:fld id="{B61BEF0D-F0BB-DE4B-95CE-6DB70DBA9567}" type="datetimeFigureOut">
               <a:rPr lang="en-US" dirty="0"/>
               <a:pPr/>
-              <a:t>1/10/2017</a:t>
+              <a:t>2/6/2017</a:t>
             </a:fld>
             <a:endParaRPr lang="en-US" dirty="0"/>
           </a:p>
@@ -3909,7 +3914,7 @@
             <a:fld id="{B61BEF0D-F0BB-DE4B-95CE-6DB70DBA9567}" type="datetimeFigureOut">
               <a:rPr lang="en-US" dirty="0"/>
               <a:pPr/>
-              <a:t>1/10/2017</a:t>
+              <a:t>2/6/2017</a:t>
             </a:fld>
             <a:endParaRPr lang="en-US" dirty="0"/>
           </a:p>
@@ -4024,7 +4029,7 @@
             <a:fld id="{B61BEF0D-F0BB-DE4B-95CE-6DB70DBA9567}" type="datetimeFigureOut">
               <a:rPr lang="en-US" dirty="0"/>
               <a:pPr/>
-              <a:t>1/10/2017</a:t>
+              <a:t>2/6/2017</a:t>
             </a:fld>
             <a:endParaRPr lang="en-US" dirty="0"/>
           </a:p>
@@ -4116,7 +4121,7 @@
             <a:fld id="{B61BEF0D-F0BB-DE4B-95CE-6DB70DBA9567}" type="datetimeFigureOut">
               <a:rPr lang="en-US" dirty="0"/>
               <a:pPr/>
-              <a:t>1/10/2017</a:t>
+              <a:t>2/6/2017</a:t>
             </a:fld>
             <a:endParaRPr lang="en-US" dirty="0"/>
           </a:p>
@@ -4396,7 +4401,7 @@
             <a:fld id="{B61BEF0D-F0BB-DE4B-95CE-6DB70DBA9567}" type="datetimeFigureOut">
               <a:rPr lang="en-US" dirty="0"/>
               <a:pPr/>
-              <a:t>1/10/2017</a:t>
+              <a:t>2/6/2017</a:t>
             </a:fld>
             <a:endParaRPr lang="en-US" dirty="0"/>
           </a:p>
@@ -4684,7 +4689,7 @@
             <a:fld id="{B61BEF0D-F0BB-DE4B-95CE-6DB70DBA9567}" type="datetimeFigureOut">
               <a:rPr lang="en-US" dirty="0"/>
               <a:pPr/>
-              <a:t>1/10/2017</a:t>
+              <a:t>2/6/2017</a:t>
             </a:fld>
             <a:endParaRPr lang="en-US" dirty="0"/>
           </a:p>
@@ -4912,7 +4917,7 @@
             <a:fld id="{B61BEF0D-F0BB-DE4B-95CE-6DB70DBA9567}" type="datetimeFigureOut">
               <a:rPr lang="en-US" dirty="0"/>
               <a:pPr/>
-              <a:t>1/10/2017</a:t>
+              <a:t>2/6/2017</a:t>
             </a:fld>
             <a:endParaRPr lang="en-US" dirty="0"/>
           </a:p>
@@ -5809,11 +5814,7 @@
           <a:p>
             <a:r>
               <a:rPr lang="en-US" sz="1800" dirty="0"/>
-              <a:t>What is required: A flexible “graph database” and query would be the technical foundation of the repository, populated based on mapping rules. Any number of frameworks can provide for the raw data mapping. </a:t>
-            </a:r>
-            <a:r>
-              <a:rPr lang="en-US" sz="1800" dirty="0"/>
-              <a:t>OMG </a:t>
+              <a:t>What is required: A flexible “graph database” and query would be the technical foundation of the repository, populated based on mapping rules. Any number of frameworks can provide for the raw data mapping. OMG </a:t>
             </a:r>
             <a:r>
               <a:rPr lang="en-US" sz="1800" dirty="0">
@@ -5837,7 +5838,6 @@
               <a:rPr lang="en-US" sz="1800" dirty="0"/>
               <a:t>is utilized to provide the subset of that information that each party is entitled to have access to.</a:t>
             </a:r>
-            <a:endParaRPr lang="en-US" sz="1800" dirty="0"/>
           </a:p>
           <a:p>
             <a:endParaRPr lang="en-US" sz="1800" dirty="0"/>
@@ -6275,7 +6275,6 @@
               <a:rPr lang="en-US" dirty="0"/>
               <a:t>However, a standard is not a capability. We present multiple options for mission critical capabilities leveraging this standard</a:t>
             </a:r>
-            <a:endParaRPr lang="en-US" dirty="0"/>
           </a:p>
         </p:txBody>
       </p:sp>
@@ -6354,7 +6353,7 @@
           <a:p>
             <a:r>
               <a:rPr lang="en-US" dirty="0"/>
-              <a:t>The concepts include both Cyber and Physical threats and risks as well as the context of those threats and risks to out citizens, enterprises and systems.</a:t>
+              <a:t>The concepts include both Cyber and Physical threats and risks as well as the context of those threats and risks to our citizens, enterprises and systems.</a:t>
             </a:r>
           </a:p>
           <a:p>
@@ -6802,13 +6801,8 @@
           <a:p>
             <a:r>
               <a:rPr lang="en-US" dirty="0"/>
-              <a:t>Use case: </a:t>
-            </a:r>
-            <a:r>
-              <a:rPr lang="en-US" dirty="0"/>
-              <a:t>Information Sharing and Analysis Organizations (ISAOs) Integration</a:t>
-            </a:r>
-            <a:endParaRPr lang="en-US" dirty="0"/>
+              <a:t>Use case: Information Sharing and Analysis Organizations (ISAO) Integration</a:t>
+            </a:r>
           </a:p>
         </p:txBody>
       </p:sp>
@@ -6835,15 +6829,7 @@
           <a:p>
             <a:r>
               <a:rPr lang="en-US" dirty="0"/>
-              <a:t>Capability: An “</a:t>
-            </a:r>
-            <a:r>
-              <a:rPr lang="en-US" dirty="0"/>
-              <a:t>Federation &amp; Analytics Engine</a:t>
-            </a:r>
-            <a:r>
-              <a:rPr lang="en-US" dirty="0"/>
-              <a:t>” capability could enable an ISAO for federating the information of other ISAOs and for assisting the communications between them.</a:t>
+              <a:t>Capability: An “Federation &amp; Analytics Engine” capability could enable an ISAO for federating the information of other ISAOs and for assisting the communications between them.</a:t>
             </a:r>
           </a:p>
         </p:txBody>
@@ -6925,7 +6911,6 @@
               <a:rPr lang="en-US" dirty="0"/>
               <a:t>Capability: An “Federation &amp; Analytics Engine” capability could enable an organization, such as DSS, to have a composite view of public, personal and governmental information on individuals as well as the organizations they are in contact with and the activates they have participated in.</a:t>
             </a:r>
-            <a:endParaRPr lang="en-US" dirty="0"/>
           </a:p>
         </p:txBody>
       </p:sp>
@@ -7006,7 +6991,6 @@
               <a:rPr lang="en-US" dirty="0"/>
               <a:t>Capability: An “Federation &amp; Analytics Engine” capability could enable technology based Cyber Intrusion information to be combined with public, private and commercial information on people, organizations and activities to better detect and mediate cyber threats.</a:t>
             </a:r>
-            <a:endParaRPr lang="en-US" dirty="0"/>
           </a:p>
           <a:p>
             <a:endParaRPr lang="en-US" dirty="0"/>

--- a/Usecases/ThreatRiskCapabilities.pptx
+++ b/Usecases/ThreatRiskCapabilities.pptx
@@ -5699,7 +5699,19 @@
           <a:p>
             <a:r>
               <a:rPr lang="en-US" dirty="0"/>
-              <a:t>Threat and Risk Information Sharing and Federation</a:t>
+              <a:t>Conceptual Model for Federated Operational </a:t>
+            </a:r>
+            <a:r>
+              <a:rPr lang="en-US" dirty="0">
+                <a:solidFill>
+                  <a:schemeClr val="tx1"/>
+                </a:solidFill>
+              </a:rPr>
+              <a:t>Threat and </a:t>
+            </a:r>
+            <a:r>
+              <a:rPr lang="en-US" dirty="0"/>
+              <a:t>Risk Information Sharing</a:t>
             </a:r>
           </a:p>
         </p:txBody>
